--- a/Operációs rendszer ppt.pptx
+++ b/Operációs rendszer ppt.pptx
@@ -360,7 +360,7 @@
           <a:p>
             <a:fld id="{8F5A1913-C1B8-42A7-81A1-2FE1D24E3BD3}" type="datetimeFigureOut">
               <a:rPr lang="hu-HU" smtClean="0"/>
-              <a:t>2022. 09. 26.</a:t>
+              <a:t>2022. 10. 05.</a:t>
             </a:fld>
             <a:endParaRPr lang="hu-HU"/>
           </a:p>
@@ -568,7 +568,7 @@
           <a:p>
             <a:fld id="{8F5A1913-C1B8-42A7-81A1-2FE1D24E3BD3}" type="datetimeFigureOut">
               <a:rPr lang="hu-HU" smtClean="0"/>
-              <a:t>2022. 09. 26.</a:t>
+              <a:t>2022. 10. 05.</a:t>
             </a:fld>
             <a:endParaRPr lang="hu-HU"/>
           </a:p>
@@ -824,7 +824,7 @@
           <a:p>
             <a:fld id="{8F5A1913-C1B8-42A7-81A1-2FE1D24E3BD3}" type="datetimeFigureOut">
               <a:rPr lang="hu-HU" smtClean="0"/>
-              <a:t>2022. 09. 26.</a:t>
+              <a:t>2022. 10. 05.</a:t>
             </a:fld>
             <a:endParaRPr lang="hu-HU"/>
           </a:p>
@@ -998,7 +998,7 @@
           <a:p>
             <a:fld id="{8F5A1913-C1B8-42A7-81A1-2FE1D24E3BD3}" type="datetimeFigureOut">
               <a:rPr lang="hu-HU" smtClean="0"/>
-              <a:t>2022. 09. 26.</a:t>
+              <a:t>2022. 10. 05.</a:t>
             </a:fld>
             <a:endParaRPr lang="hu-HU"/>
           </a:p>
@@ -1341,7 +1341,7 @@
           <a:p>
             <a:fld id="{8F5A1913-C1B8-42A7-81A1-2FE1D24E3BD3}" type="datetimeFigureOut">
               <a:rPr lang="hu-HU" smtClean="0"/>
-              <a:t>2022. 09. 26.</a:t>
+              <a:t>2022. 10. 05.</a:t>
             </a:fld>
             <a:endParaRPr lang="hu-HU"/>
           </a:p>
@@ -1616,7 +1616,7 @@
           <a:p>
             <a:fld id="{8F5A1913-C1B8-42A7-81A1-2FE1D24E3BD3}" type="datetimeFigureOut">
               <a:rPr lang="hu-HU" smtClean="0"/>
-              <a:t>2022. 09. 26.</a:t>
+              <a:t>2022. 10. 05.</a:t>
             </a:fld>
             <a:endParaRPr lang="hu-HU"/>
           </a:p>
@@ -1995,7 +1995,7 @@
           <a:p>
             <a:fld id="{8F5A1913-C1B8-42A7-81A1-2FE1D24E3BD3}" type="datetimeFigureOut">
               <a:rPr lang="hu-HU" smtClean="0"/>
-              <a:t>2022. 09. 26.</a:t>
+              <a:t>2022. 10. 05.</a:t>
             </a:fld>
             <a:endParaRPr lang="hu-HU"/>
           </a:p>
@@ -2113,7 +2113,7 @@
           <a:p>
             <a:fld id="{8F5A1913-C1B8-42A7-81A1-2FE1D24E3BD3}" type="datetimeFigureOut">
               <a:rPr lang="hu-HU" smtClean="0"/>
-              <a:t>2022. 09. 26.</a:t>
+              <a:t>2022. 10. 05.</a:t>
             </a:fld>
             <a:endParaRPr lang="hu-HU"/>
           </a:p>
@@ -2284,7 +2284,7 @@
           <a:p>
             <a:fld id="{8F5A1913-C1B8-42A7-81A1-2FE1D24E3BD3}" type="datetimeFigureOut">
               <a:rPr lang="hu-HU" smtClean="0"/>
-              <a:t>2022. 09. 26.</a:t>
+              <a:t>2022. 10. 05.</a:t>
             </a:fld>
             <a:endParaRPr lang="hu-HU"/>
           </a:p>
@@ -2638,7 +2638,7 @@
           <a:p>
             <a:fld id="{8F5A1913-C1B8-42A7-81A1-2FE1D24E3BD3}" type="datetimeFigureOut">
               <a:rPr lang="hu-HU" smtClean="0"/>
-              <a:t>2022. 09. 26.</a:t>
+              <a:t>2022. 10. 05.</a:t>
             </a:fld>
             <a:endParaRPr lang="hu-HU"/>
           </a:p>
@@ -3020,7 +3020,7 @@
           <a:p>
             <a:fld id="{8F5A1913-C1B8-42A7-81A1-2FE1D24E3BD3}" type="datetimeFigureOut">
               <a:rPr lang="hu-HU" smtClean="0"/>
-              <a:t>2022. 09. 26.</a:t>
+              <a:t>2022. 10. 05.</a:t>
             </a:fld>
             <a:endParaRPr lang="hu-HU"/>
           </a:p>
@@ -3307,7 +3307,7 @@
           <a:p>
             <a:fld id="{8F5A1913-C1B8-42A7-81A1-2FE1D24E3BD3}" type="datetimeFigureOut">
               <a:rPr lang="hu-HU" smtClean="0"/>
-              <a:t>2022. 09. 26.</a:t>
+              <a:t>2022. 10. 05.</a:t>
             </a:fld>
             <a:endParaRPr lang="hu-HU"/>
           </a:p>
@@ -3843,7 +3843,7 @@
         </p:nvSpPr>
         <p:spPr>
           <a:xfrm>
-            <a:off x="3606915" y="2001253"/>
+            <a:off x="3506247" y="1551918"/>
             <a:ext cx="5055822" cy="1042736"/>
           </a:xfrm>
         </p:spPr>
@@ -3853,19 +3853,12 @@
           </a:bodyPr>
           <a:lstStyle/>
           <a:p>
-            <a:r>
-              <a:rPr lang="hu-HU" sz="4000" dirty="0">
-                <a:latin typeface="Times New Roman" panose="02020603050405020304" pitchFamily="18" charset="0"/>
-                <a:cs typeface="Times New Roman" panose="02020603050405020304" pitchFamily="18" charset="0"/>
-              </a:rPr>
-              <a:t>Operációs </a:t>
-            </a:r>
             <a:r>
               <a:rPr lang="hu-HU" sz="4800" dirty="0">
                 <a:latin typeface="Times New Roman" panose="02020603050405020304" pitchFamily="18" charset="0"/>
                 <a:cs typeface="Times New Roman" panose="02020603050405020304" pitchFamily="18" charset="0"/>
               </a:rPr>
-              <a:t>rendszer</a:t>
+              <a:t>Operációs rendszer</a:t>
             </a:r>
             <a:endParaRPr lang="pt-BR" sz="4800" dirty="0">
               <a:latin typeface="Times New Roman" panose="02020603050405020304" pitchFamily="18" charset="0"/>
@@ -3898,6 +3891,9 @@
           <a:p>
             <a:r>
               <a:rPr lang="hu-HU" dirty="0">
+                <a:solidFill>
+                  <a:schemeClr val="tx1"/>
+                </a:solidFill>
                 <a:latin typeface="Times New Roman" panose="02020603050405020304" pitchFamily="18" charset="0"/>
                 <a:cs typeface="Times New Roman" panose="02020603050405020304" pitchFamily="18" charset="0"/>
               </a:rPr>
@@ -4796,7 +4792,7 @@
               <a:buNone/>
             </a:pPr>
             <a:r>
-              <a:rPr lang="hu-HU" sz="2200" dirty="0">
+              <a:rPr lang="hu-HU" sz="2400" dirty="0">
                 <a:latin typeface="Times New Roman" panose="02020603050405020304" pitchFamily="18" charset="0"/>
                 <a:cs typeface="Times New Roman" panose="02020603050405020304" pitchFamily="18" charset="0"/>
               </a:rPr>
@@ -5023,7 +5019,7 @@
                 <a:latin typeface="Times New Roman" panose="02020603050405020304" pitchFamily="18" charset="0"/>
                 <a:cs typeface="Times New Roman" panose="02020603050405020304" pitchFamily="18" charset="0"/>
               </a:rPr>
-              <a:t>operációsrendszer-architektúra</a:t>
+              <a:t>Operációsrendszer-architektúra</a:t>
             </a:r>
           </a:p>
           <a:p>
@@ -5038,7 +5034,7 @@
                 <a:latin typeface="Times New Roman" panose="02020603050405020304" pitchFamily="18" charset="0"/>
                 <a:cs typeface="Times New Roman" panose="02020603050405020304" pitchFamily="18" charset="0"/>
               </a:rPr>
-              <a:t>eltérés a többi kernelhez képest</a:t>
+              <a:t>Eltérés a többi kernelhez képest</a:t>
             </a:r>
           </a:p>
           <a:p>
@@ -5227,7 +5223,7 @@
                 <a:latin typeface="Times New Roman" panose="02020603050405020304" pitchFamily="18" charset="0"/>
                 <a:cs typeface="Times New Roman" panose="02020603050405020304" pitchFamily="18" charset="0"/>
               </a:rPr>
-              <a:t>operációsrendszer-architektúra</a:t>
+              <a:t>Operációsrendszer-architektúra</a:t>
             </a:r>
           </a:p>
           <a:p>
@@ -5242,7 +5238,7 @@
                 <a:latin typeface="Times New Roman" panose="02020603050405020304" pitchFamily="18" charset="0"/>
                 <a:cs typeface="Times New Roman" panose="02020603050405020304" pitchFamily="18" charset="0"/>
               </a:rPr>
-              <a:t>nélkülözhetetlen</a:t>
+              <a:t>Nélkülözhetetlen</a:t>
             </a:r>
           </a:p>
           <a:p>
@@ -5446,7 +5442,7 @@
                 <a:latin typeface="Times New Roman" panose="02020603050405020304" pitchFamily="18" charset="0"/>
                 <a:cs typeface="Times New Roman" panose="02020603050405020304" pitchFamily="18" charset="0"/>
               </a:rPr>
-              <a:t>operációsrendszer-architektúra</a:t>
+              <a:t>Operációsrendszer-architektúra</a:t>
             </a:r>
           </a:p>
           <a:p>
@@ -5461,7 +5457,7 @@
                 <a:latin typeface="Times New Roman" panose="02020603050405020304" pitchFamily="18" charset="0"/>
                 <a:cs typeface="Times New Roman" panose="02020603050405020304" pitchFamily="18" charset="0"/>
               </a:rPr>
-              <a:t>mikro</a:t>
+              <a:t>Mikro</a:t>
             </a:r>
             <a:r>
               <a:rPr lang="hu-HU" sz="2400" dirty="0">
@@ -5976,8 +5972,8 @@
         </p:nvSpPr>
         <p:spPr>
           <a:xfrm>
-            <a:off x="7157390" y="2007566"/>
-            <a:ext cx="3705726" cy="1569660"/>
+            <a:off x="7624919" y="2148098"/>
+            <a:ext cx="3437490" cy="1569660"/>
           </a:xfrm>
           <a:prstGeom prst="rect">
             <a:avLst/>
@@ -6012,20 +6008,6 @@
             </a:r>
           </a:p>
           <a:p>
-            <a:r>
-              <a:rPr lang="hu-HU" sz="2400" dirty="0">
-                <a:latin typeface="Times New Roman" panose="02020603050405020304" pitchFamily="18" charset="0"/>
-                <a:cs typeface="Times New Roman" panose="02020603050405020304" pitchFamily="18" charset="0"/>
-              </a:rPr>
-              <a:t>Windows </a:t>
-            </a:r>
-            <a:r>
-              <a:rPr lang="hu-HU" sz="2400" dirty="0" err="1">
-                <a:latin typeface="Times New Roman" panose="02020603050405020304" pitchFamily="18" charset="0"/>
-                <a:cs typeface="Times New Roman" panose="02020603050405020304" pitchFamily="18" charset="0"/>
-              </a:rPr>
-              <a:t>Phone</a:t>
-            </a:r>
             <a:endParaRPr lang="hu-HU" sz="2400" dirty="0">
               <a:latin typeface="Times New Roman" panose="02020603050405020304" pitchFamily="18" charset="0"/>
               <a:cs typeface="Times New Roman" panose="02020603050405020304" pitchFamily="18" charset="0"/>
@@ -6146,6 +6128,41 @@
             <a:r>
               <a:rPr lang="hu-HU" sz="800" dirty="0"/>
               <a:t>https://tinyurl.com/2aw7xj4a</a:t>
+            </a:r>
+          </a:p>
+        </p:txBody>
+      </p:sp>
+      <p:sp>
+        <p:nvSpPr>
+          <p:cNvPr id="7" name="Szövegdoboz 6">
+            <a:extLst>
+              <a:ext uri="{FF2B5EF4-FFF2-40B4-BE49-F238E27FC236}">
+                <a16:creationId xmlns:a16="http://schemas.microsoft.com/office/drawing/2014/main" id="{29882E92-7322-B724-390B-6B23357C87E9}"/>
+              </a:ext>
+            </a:extLst>
+          </p:cNvPr>
+          <p:cNvSpPr txBox="1"/>
+          <p:nvPr/>
+        </p:nvSpPr>
+        <p:spPr>
+          <a:xfrm>
+            <a:off x="8986452" y="5060793"/>
+            <a:ext cx="1422184" cy="215444"/>
+          </a:xfrm>
+          <a:prstGeom prst="rect">
+            <a:avLst/>
+          </a:prstGeom>
+          <a:noFill/>
+        </p:spPr>
+        <p:txBody>
+          <a:bodyPr wrap="none" rtlCol="0">
+            <a:spAutoFit/>
+          </a:bodyPr>
+          <a:lstStyle/>
+          <a:p>
+            <a:r>
+              <a:rPr lang="hu-HU" sz="800" dirty="0"/>
+              <a:t>https://tinyurl.com/bddhfyhx</a:t>
             </a:r>
           </a:p>
         </p:txBody>
@@ -6447,12 +6464,11 @@
 </file>
 
 <file path=customXml/item1.xml><?xml version="1.0" encoding="utf-8"?>
-<?mso-contentType ?>
-<FormTemplates xmlns="http://schemas.microsoft.com/sharepoint/v3/contenttype/forms">
-  <Display>DocumentLibraryForm</Display>
-  <Edit>DocumentLibraryForm</Edit>
-  <New>DocumentLibraryForm</New>
-</FormTemplates>
+<p:properties xmlns:p="http://schemas.microsoft.com/office/2006/metadata/properties" xmlns:xsi="http://www.w3.org/2001/XMLSchema-instance" xmlns:pc="http://schemas.microsoft.com/office/infopath/2007/PartnerControls">
+  <documentManagement>
+    <ReferenceId xmlns="cda7f449-9791-4026-adf0-6249e0f1a277" xsi:nil="true"/>
+  </documentManagement>
+</p:properties>
 </file>
 
 <file path=customXml/item2.xml><?xml version="1.0" encoding="utf-8"?>
@@ -6594,17 +6610,20 @@
 </file>
 
 <file path=customXml/item3.xml><?xml version="1.0" encoding="utf-8"?>
-<p:properties xmlns:p="http://schemas.microsoft.com/office/2006/metadata/properties" xmlns:xsi="http://www.w3.org/2001/XMLSchema-instance" xmlns:pc="http://schemas.microsoft.com/office/infopath/2007/PartnerControls">
-  <documentManagement>
-    <ReferenceId xmlns="cda7f449-9791-4026-adf0-6249e0f1a277" xsi:nil="true"/>
-  </documentManagement>
-</p:properties>
+<?mso-contentType ?>
+<FormTemplates xmlns="http://schemas.microsoft.com/sharepoint/v3/contenttype/forms">
+  <Display>DocumentLibraryForm</Display>
+  <Edit>DocumentLibraryForm</Edit>
+  <New>DocumentLibraryForm</New>
+</FormTemplates>
 </file>
 
 <file path=customXml/itemProps1.xml><?xml version="1.0" encoding="utf-8"?>
-<ds:datastoreItem xmlns:ds="http://schemas.openxmlformats.org/officeDocument/2006/customXml" ds:itemID="{B114293F-6EE4-4834-97C1-1E9AD42354D9}">
+<ds:datastoreItem xmlns:ds="http://schemas.openxmlformats.org/officeDocument/2006/customXml" ds:itemID="{B47C1B41-847B-4982-A61B-2DE97E148F4F}">
   <ds:schemaRefs>
-    <ds:schemaRef ds:uri="http://schemas.microsoft.com/sharepoint/v3/contenttype/forms"/>
+    <ds:schemaRef ds:uri="http://schemas.microsoft.com/office/2006/metadata/properties"/>
+    <ds:schemaRef ds:uri="http://schemas.microsoft.com/office/infopath/2007/PartnerControls"/>
+    <ds:schemaRef ds:uri="cda7f449-9791-4026-adf0-6249e0f1a277"/>
   </ds:schemaRefs>
 </ds:datastoreItem>
 </file>
@@ -6628,11 +6647,9 @@
 </file>
 
 <file path=customXml/itemProps3.xml><?xml version="1.0" encoding="utf-8"?>
-<ds:datastoreItem xmlns:ds="http://schemas.openxmlformats.org/officeDocument/2006/customXml" ds:itemID="{B47C1B41-847B-4982-A61B-2DE97E148F4F}">
+<ds:datastoreItem xmlns:ds="http://schemas.openxmlformats.org/officeDocument/2006/customXml" ds:itemID="{B114293F-6EE4-4834-97C1-1E9AD42354D9}">
   <ds:schemaRefs>
-    <ds:schemaRef ds:uri="http://schemas.microsoft.com/office/2006/metadata/properties"/>
-    <ds:schemaRef ds:uri="http://schemas.microsoft.com/office/infopath/2007/PartnerControls"/>
-    <ds:schemaRef ds:uri="cda7f449-9791-4026-adf0-6249e0f1a277"/>
+    <ds:schemaRef ds:uri="http://schemas.microsoft.com/sharepoint/v3/contenttype/forms"/>
   </ds:schemaRefs>
 </ds:datastoreItem>
 </file>